--- a/Presentations/Data Science Metrics.pptx
+++ b/Presentations/Data Science Metrics.pptx
@@ -6,7 +6,11 @@
   </p:sldMasterIdLst>
   <p:sldIdLst>
     <p:sldId id="256" r:id="rId2"/>
-    <p:sldId id="257" r:id="rId3"/>
+    <p:sldId id="260" r:id="rId3"/>
+    <p:sldId id="258" r:id="rId4"/>
+    <p:sldId id="257" r:id="rId5"/>
+    <p:sldId id="259" r:id="rId6"/>
+    <p:sldId id="261" r:id="rId7"/>
   </p:sldIdLst>
   <p:sldSz cx="12192000" cy="6858000"/>
   <p:notesSz cx="6858000" cy="9144000"/>
@@ -105,6 +109,11 @@
       </a:defRPr>
     </a:lvl9pPr>
   </p:defaultTextStyle>
+  <p:extLst>
+    <p:ext uri="{EFAFB233-063F-42B5-8137-9DF3F51BA10A}">
+      <p15:sldGuideLst xmlns:p15="http://schemas.microsoft.com/office/powerpoint/2012/main"/>
+    </p:ext>
+  </p:extLst>
 </p:presentation>
 </file>
 
@@ -255,7 +264,7 @@
           <a:p>
             <a:fld id="{390B3A79-8C18-A14B-AC22-58BEEEF585EC}" type="datetimeFigureOut">
               <a:rPr lang="de-DE" smtClean="0"/>
-              <a:t>16.01.23</a:t>
+              <a:t>22.01.23</a:t>
             </a:fld>
             <a:endParaRPr lang="de-DE"/>
           </a:p>
@@ -453,7 +462,7 @@
           <a:p>
             <a:fld id="{390B3A79-8C18-A14B-AC22-58BEEEF585EC}" type="datetimeFigureOut">
               <a:rPr lang="de-DE" smtClean="0"/>
-              <a:t>16.01.23</a:t>
+              <a:t>22.01.23</a:t>
             </a:fld>
             <a:endParaRPr lang="de-DE"/>
           </a:p>
@@ -661,7 +670,7 @@
           <a:p>
             <a:fld id="{390B3A79-8C18-A14B-AC22-58BEEEF585EC}" type="datetimeFigureOut">
               <a:rPr lang="de-DE" smtClean="0"/>
-              <a:t>16.01.23</a:t>
+              <a:t>22.01.23</a:t>
             </a:fld>
             <a:endParaRPr lang="de-DE"/>
           </a:p>
@@ -859,7 +868,7 @@
           <a:p>
             <a:fld id="{390B3A79-8C18-A14B-AC22-58BEEEF585EC}" type="datetimeFigureOut">
               <a:rPr lang="de-DE" smtClean="0"/>
-              <a:t>16.01.23</a:t>
+              <a:t>22.01.23</a:t>
             </a:fld>
             <a:endParaRPr lang="de-DE"/>
           </a:p>
@@ -1134,7 +1143,7 @@
           <a:p>
             <a:fld id="{390B3A79-8C18-A14B-AC22-58BEEEF585EC}" type="datetimeFigureOut">
               <a:rPr lang="de-DE" smtClean="0"/>
-              <a:t>16.01.23</a:t>
+              <a:t>22.01.23</a:t>
             </a:fld>
             <a:endParaRPr lang="de-DE"/>
           </a:p>
@@ -1399,7 +1408,7 @@
           <a:p>
             <a:fld id="{390B3A79-8C18-A14B-AC22-58BEEEF585EC}" type="datetimeFigureOut">
               <a:rPr lang="de-DE" smtClean="0"/>
-              <a:t>16.01.23</a:t>
+              <a:t>22.01.23</a:t>
             </a:fld>
             <a:endParaRPr lang="de-DE"/>
           </a:p>
@@ -1811,7 +1820,7 @@
           <a:p>
             <a:fld id="{390B3A79-8C18-A14B-AC22-58BEEEF585EC}" type="datetimeFigureOut">
               <a:rPr lang="de-DE" smtClean="0"/>
-              <a:t>16.01.23</a:t>
+              <a:t>22.01.23</a:t>
             </a:fld>
             <a:endParaRPr lang="de-DE"/>
           </a:p>
@@ -1952,7 +1961,7 @@
           <a:p>
             <a:fld id="{390B3A79-8C18-A14B-AC22-58BEEEF585EC}" type="datetimeFigureOut">
               <a:rPr lang="de-DE" smtClean="0"/>
-              <a:t>16.01.23</a:t>
+              <a:t>22.01.23</a:t>
             </a:fld>
             <a:endParaRPr lang="de-DE"/>
           </a:p>
@@ -2065,7 +2074,7 @@
           <a:p>
             <a:fld id="{390B3A79-8C18-A14B-AC22-58BEEEF585EC}" type="datetimeFigureOut">
               <a:rPr lang="de-DE" smtClean="0"/>
-              <a:t>16.01.23</a:t>
+              <a:t>22.01.23</a:t>
             </a:fld>
             <a:endParaRPr lang="de-DE"/>
           </a:p>
@@ -2376,7 +2385,7 @@
           <a:p>
             <a:fld id="{390B3A79-8C18-A14B-AC22-58BEEEF585EC}" type="datetimeFigureOut">
               <a:rPr lang="de-DE" smtClean="0"/>
-              <a:t>16.01.23</a:t>
+              <a:t>22.01.23</a:t>
             </a:fld>
             <a:endParaRPr lang="de-DE"/>
           </a:p>
@@ -2664,7 +2673,7 @@
           <a:p>
             <a:fld id="{390B3A79-8C18-A14B-AC22-58BEEEF585EC}" type="datetimeFigureOut">
               <a:rPr lang="de-DE" smtClean="0"/>
-              <a:t>16.01.23</a:t>
+              <a:t>22.01.23</a:t>
             </a:fld>
             <a:endParaRPr lang="de-DE"/>
           </a:p>
@@ -2905,7 +2914,7 @@
           <a:p>
             <a:fld id="{390B3A79-8C18-A14B-AC22-58BEEEF585EC}" type="datetimeFigureOut">
               <a:rPr lang="de-DE" smtClean="0"/>
-              <a:t>16.01.23</a:t>
+              <a:t>22.01.23</a:t>
             </a:fld>
             <a:endParaRPr lang="de-DE"/>
           </a:p>
@@ -3751,6 +3760,375 @@
           <p:cNvPr id="2" name="Titel 1">
             <a:extLst>
               <a:ext uri="{FF2B5EF4-FFF2-40B4-BE49-F238E27FC236}">
+                <a16:creationId xmlns:a16="http://schemas.microsoft.com/office/drawing/2014/main" id="{2FE67C26-4630-C87D-F056-310F3FCBA652}"/>
+              </a:ext>
+            </a:extLst>
+          </p:cNvPr>
+          <p:cNvSpPr>
+            <a:spLocks noGrp="1"/>
+          </p:cNvSpPr>
+          <p:nvPr>
+            <p:ph type="title"/>
+          </p:nvPr>
+        </p:nvSpPr>
+        <p:spPr/>
+        <p:txBody>
+          <a:bodyPr/>
+          <a:lstStyle/>
+          <a:p>
+            <a:r>
+              <a:rPr lang="de-AT" dirty="0"/>
+              <a:t>Distributions</a:t>
+            </a:r>
+            <a:endParaRPr lang="de-DE" dirty="0"/>
+          </a:p>
+        </p:txBody>
+      </p:sp>
+      <p:pic>
+        <p:nvPicPr>
+          <p:cNvPr id="6" name="Inhaltsplatzhalter 5">
+            <a:extLst>
+              <a:ext uri="{FF2B5EF4-FFF2-40B4-BE49-F238E27FC236}">
+                <a16:creationId xmlns:a16="http://schemas.microsoft.com/office/drawing/2014/main" id="{7A7A65EA-3A5B-5599-C970-2B495E47863B}"/>
+              </a:ext>
+            </a:extLst>
+          </p:cNvPr>
+          <p:cNvPicPr>
+            <a:picLocks noGrp="1" noChangeAspect="1"/>
+          </p:cNvPicPr>
+          <p:nvPr>
+            <p:ph idx="1"/>
+          </p:nvPr>
+        </p:nvPicPr>
+        <p:blipFill>
+          <a:blip r:embed="rId2"/>
+          <a:stretch>
+            <a:fillRect/>
+          </a:stretch>
+        </p:blipFill>
+        <p:spPr>
+          <a:xfrm>
+            <a:off x="2220722" y="1450896"/>
+            <a:ext cx="8161305" cy="5246553"/>
+          </a:xfrm>
+          <a:prstGeom prst="rect">
+            <a:avLst/>
+          </a:prstGeom>
+        </p:spPr>
+      </p:pic>
+    </p:spTree>
+    <p:extLst>
+      <p:ext uri="{BB962C8B-B14F-4D97-AF65-F5344CB8AC3E}">
+        <p14:creationId xmlns:p14="http://schemas.microsoft.com/office/powerpoint/2010/main" val="3376164642"/>
+      </p:ext>
+    </p:extLst>
+  </p:cSld>
+  <p:clrMapOvr>
+    <a:masterClrMapping/>
+  </p:clrMapOvr>
+</p:sld>
+</file>
+
+<file path=ppt/slides/slide3.xml><?xml version="1.0" encoding="utf-8"?>
+<p:sld xmlns:a="http://schemas.openxmlformats.org/drawingml/2006/main" xmlns:r="http://schemas.openxmlformats.org/officeDocument/2006/relationships" xmlns:p="http://schemas.openxmlformats.org/presentationml/2006/main">
+  <p:cSld>
+    <p:bg>
+      <p:bgPr>
+        <a:solidFill>
+          <a:schemeClr val="bg1"/>
+        </a:solidFill>
+        <a:effectLst/>
+      </p:bgPr>
+    </p:bg>
+    <p:spTree>
+      <p:nvGrpSpPr>
+        <p:cNvPr id="1" name=""/>
+        <p:cNvGrpSpPr/>
+        <p:nvPr/>
+      </p:nvGrpSpPr>
+      <p:grpSpPr>
+        <a:xfrm>
+          <a:off x="0" y="0"/>
+          <a:ext cx="0" cy="0"/>
+          <a:chOff x="0" y="0"/>
+          <a:chExt cx="0" cy="0"/>
+        </a:xfrm>
+      </p:grpSpPr>
+      <p:sp>
+        <p:nvSpPr>
+          <p:cNvPr id="2" name="Titel 1">
+            <a:extLst>
+              <a:ext uri="{FF2B5EF4-FFF2-40B4-BE49-F238E27FC236}">
+                <a16:creationId xmlns:a16="http://schemas.microsoft.com/office/drawing/2014/main" id="{BC784955-66E8-CE4E-21F3-A1203DE36A5B}"/>
+              </a:ext>
+            </a:extLst>
+          </p:cNvPr>
+          <p:cNvSpPr>
+            <a:spLocks noGrp="1"/>
+          </p:cNvSpPr>
+          <p:nvPr>
+            <p:ph type="title"/>
+          </p:nvPr>
+        </p:nvSpPr>
+        <p:spPr>
+          <a:xfrm>
+            <a:off x="648929" y="629266"/>
+            <a:ext cx="3505495" cy="1622321"/>
+          </a:xfrm>
+        </p:spPr>
+        <p:txBody>
+          <a:bodyPr>
+            <a:normAutofit/>
+          </a:bodyPr>
+          <a:lstStyle/>
+          <a:p>
+            <a:r>
+              <a:rPr lang="de-AT" dirty="0"/>
+              <a:t>Covariance</a:t>
+            </a:r>
+            <a:endParaRPr lang="de-DE" dirty="0"/>
+          </a:p>
+        </p:txBody>
+      </p:sp>
+      <p:sp>
+        <p:nvSpPr>
+          <p:cNvPr id="3" name="Inhaltsplatzhalter 2">
+            <a:extLst>
+              <a:ext uri="{FF2B5EF4-FFF2-40B4-BE49-F238E27FC236}">
+                <a16:creationId xmlns:a16="http://schemas.microsoft.com/office/drawing/2014/main" id="{99390EFC-28FE-A565-F72B-507100768A9F}"/>
+              </a:ext>
+            </a:extLst>
+          </p:cNvPr>
+          <p:cNvSpPr>
+            <a:spLocks noGrp="1"/>
+          </p:cNvSpPr>
+          <p:nvPr>
+            <p:ph idx="1"/>
+          </p:nvPr>
+        </p:nvSpPr>
+        <p:spPr>
+          <a:xfrm>
+            <a:off x="648931" y="2438400"/>
+            <a:ext cx="3505494" cy="3785419"/>
+          </a:xfrm>
+        </p:spPr>
+        <p:txBody>
+          <a:bodyPr>
+            <a:normAutofit/>
+          </a:bodyPr>
+          <a:lstStyle/>
+          <a:p>
+            <a:r>
+              <a:rPr lang="de-AT" sz="2000" dirty="0"/>
+              <a:t>Covariance describes the relationship between two variables</a:t>
+            </a:r>
+            <a:endParaRPr lang="de-DE" sz="2000" dirty="0"/>
+          </a:p>
+        </p:txBody>
+      </p:sp>
+      <p:sp>
+        <p:nvSpPr>
+          <p:cNvPr id="11" name="Rectangle 10">
+            <a:extLst>
+              <a:ext uri="{FF2B5EF4-FFF2-40B4-BE49-F238E27FC236}">
+                <a16:creationId xmlns:a16="http://schemas.microsoft.com/office/drawing/2014/main" id="{5E39A796-BE83-48B1-B33F-35C4A32AAB57}"/>
+              </a:ext>
+              <a:ext uri="{C183D7F6-B498-43B3-948B-1728B52AA6E4}">
+                <adec:decorative xmlns:adec="http://schemas.microsoft.com/office/drawing/2017/decorative" val="1"/>
+              </a:ext>
+            </a:extLst>
+          </p:cNvPr>
+          <p:cNvSpPr>
+            <a:spLocks noGrp="1" noRot="1" noChangeAspect="1" noMove="1" noResize="1" noEditPoints="1" noAdjustHandles="1" noChangeArrowheads="1" noChangeShapeType="1" noTextEdit="1"/>
+          </p:cNvSpPr>
+          <p:nvPr>
+            <p:extLst>
+              <p:ext uri="{386F3935-93C4-4BCD-93E2-E3B085C9AB24}">
+                <p16:designElem xmlns:p16="http://schemas.microsoft.com/office/powerpoint/2015/main" val="1"/>
+              </p:ext>
+            </p:extLst>
+          </p:nvPr>
+        </p:nvSpPr>
+        <p:spPr>
+          <a:xfrm>
+            <a:off x="4639056" y="0"/>
+            <a:ext cx="7552944" cy="6858000"/>
+          </a:xfrm>
+          <a:prstGeom prst="rect">
+            <a:avLst/>
+          </a:prstGeom>
+          <a:solidFill>
+            <a:srgbClr val="C8CACA"/>
+          </a:solidFill>
+          <a:ln>
+            <a:noFill/>
+          </a:ln>
+        </p:spPr>
+        <p:style>
+          <a:lnRef idx="2">
+            <a:schemeClr val="accent1">
+              <a:shade val="50000"/>
+            </a:schemeClr>
+          </a:lnRef>
+          <a:fillRef idx="1">
+            <a:schemeClr val="accent1"/>
+          </a:fillRef>
+          <a:effectRef idx="0">
+            <a:schemeClr val="accent1"/>
+          </a:effectRef>
+          <a:fontRef idx="minor">
+            <a:schemeClr val="lt1"/>
+          </a:fontRef>
+        </p:style>
+        <p:txBody>
+          <a:bodyPr rtlCol="0" anchor="ctr"/>
+          <a:lstStyle/>
+          <a:p>
+            <a:pPr algn="ctr"/>
+            <a:endParaRPr lang="en-US"/>
+          </a:p>
+        </p:txBody>
+      </p:sp>
+      <p:sp>
+        <p:nvSpPr>
+          <p:cNvPr id="13" name="Rounded Rectangle 9">
+            <a:extLst>
+              <a:ext uri="{FF2B5EF4-FFF2-40B4-BE49-F238E27FC236}">
+                <a16:creationId xmlns:a16="http://schemas.microsoft.com/office/drawing/2014/main" id="{72F84B47-E267-4194-8194-831DB7B5547F}"/>
+              </a:ext>
+              <a:ext uri="{C183D7F6-B498-43B3-948B-1728B52AA6E4}">
+                <adec:decorative xmlns:adec="http://schemas.microsoft.com/office/drawing/2017/decorative" val="1"/>
+              </a:ext>
+            </a:extLst>
+          </p:cNvPr>
+          <p:cNvSpPr>
+            <a:spLocks noGrp="1" noRot="1" noChangeAspect="1" noMove="1" noResize="1" noEditPoints="1" noAdjustHandles="1" noChangeArrowheads="1" noChangeShapeType="1" noTextEdit="1"/>
+          </p:cNvSpPr>
+          <p:nvPr>
+            <p:extLst>
+              <p:ext uri="{386F3935-93C4-4BCD-93E2-E3B085C9AB24}">
+                <p16:designElem xmlns:p16="http://schemas.microsoft.com/office/powerpoint/2015/main" val="1"/>
+              </p:ext>
+            </p:extLst>
+          </p:nvPr>
+        </p:nvSpPr>
+        <p:spPr>
+          <a:xfrm>
+            <a:off x="5123688" y="557784"/>
+            <a:ext cx="6584098" cy="5739187"/>
+          </a:xfrm>
+          <a:prstGeom prst="roundRect">
+            <a:avLst>
+              <a:gd name="adj" fmla="val 0"/>
+            </a:avLst>
+          </a:prstGeom>
+          <a:solidFill>
+            <a:srgbClr val="FFFFFF"/>
+          </a:solidFill>
+          <a:ln w="9525">
+            <a:solidFill>
+              <a:srgbClr val="C8CACA"/>
+            </a:solidFill>
+          </a:ln>
+          <a:effectLst>
+            <a:outerShdw blurRad="57150" dist="19050" dir="5400000" algn="t" rotWithShape="0">
+              <a:prstClr val="black">
+                <a:alpha val="63000"/>
+              </a:prstClr>
+            </a:outerShdw>
+          </a:effectLst>
+        </p:spPr>
+        <p:style>
+          <a:lnRef idx="2">
+            <a:schemeClr val="accent1">
+              <a:shade val="50000"/>
+            </a:schemeClr>
+          </a:lnRef>
+          <a:fillRef idx="1">
+            <a:schemeClr val="accent1"/>
+          </a:fillRef>
+          <a:effectRef idx="0">
+            <a:schemeClr val="accent1"/>
+          </a:effectRef>
+          <a:fontRef idx="minor">
+            <a:schemeClr val="lt1"/>
+          </a:fontRef>
+        </p:style>
+        <p:txBody>
+          <a:bodyPr rtlCol="0" anchor="ctr"/>
+          <a:lstStyle/>
+          <a:p>
+            <a:pPr algn="ctr"/>
+            <a:endParaRPr lang="en-US"/>
+          </a:p>
+        </p:txBody>
+      </p:sp>
+      <p:pic>
+        <p:nvPicPr>
+          <p:cNvPr id="6" name="Grafik 5">
+            <a:extLst>
+              <a:ext uri="{FF2B5EF4-FFF2-40B4-BE49-F238E27FC236}">
+                <a16:creationId xmlns:a16="http://schemas.microsoft.com/office/drawing/2014/main" id="{8CECCAB4-A0C4-9567-E9E5-0CDFEE46E35A}"/>
+              </a:ext>
+            </a:extLst>
+          </p:cNvPr>
+          <p:cNvPicPr>
+            <a:picLocks noChangeAspect="1"/>
+          </p:cNvPicPr>
+          <p:nvPr/>
+        </p:nvPicPr>
+        <p:blipFill>
+          <a:blip r:embed="rId2"/>
+          <a:stretch>
+            <a:fillRect/>
+          </a:stretch>
+        </p:blipFill>
+        <p:spPr>
+          <a:xfrm>
+            <a:off x="5405862" y="1248379"/>
+            <a:ext cx="6019331" cy="4357995"/>
+          </a:xfrm>
+          <a:prstGeom prst="rect">
+            <a:avLst/>
+          </a:prstGeom>
+          <a:effectLst/>
+        </p:spPr>
+      </p:pic>
+    </p:spTree>
+    <p:extLst>
+      <p:ext uri="{BB962C8B-B14F-4D97-AF65-F5344CB8AC3E}">
+        <p14:creationId xmlns:p14="http://schemas.microsoft.com/office/powerpoint/2010/main" val="3068322437"/>
+      </p:ext>
+    </p:extLst>
+  </p:cSld>
+  <p:clrMapOvr>
+    <a:masterClrMapping/>
+  </p:clrMapOvr>
+</p:sld>
+</file>
+
+<file path=ppt/slides/slide4.xml><?xml version="1.0" encoding="utf-8"?>
+<p:sld xmlns:a="http://schemas.openxmlformats.org/drawingml/2006/main" xmlns:r="http://schemas.openxmlformats.org/officeDocument/2006/relationships" xmlns:p="http://schemas.openxmlformats.org/presentationml/2006/main">
+  <p:cSld>
+    <p:spTree>
+      <p:nvGrpSpPr>
+        <p:cNvPr id="1" name=""/>
+        <p:cNvGrpSpPr/>
+        <p:nvPr/>
+      </p:nvGrpSpPr>
+      <p:grpSpPr>
+        <a:xfrm>
+          <a:off x="0" y="0"/>
+          <a:ext cx="0" cy="0"/>
+          <a:chOff x="0" y="0"/>
+          <a:chExt cx="0" cy="0"/>
+        </a:xfrm>
+      </p:grpSpPr>
+      <p:sp>
+        <p:nvSpPr>
+          <p:cNvPr id="2" name="Titel 1">
+            <a:extLst>
+              <a:ext uri="{FF2B5EF4-FFF2-40B4-BE49-F238E27FC236}">
                 <a16:creationId xmlns:a16="http://schemas.microsoft.com/office/drawing/2014/main" id="{70F5C63A-3EC7-C916-9A2D-3529AE23CB43}"/>
               </a:ext>
             </a:extLst>
@@ -3831,6 +4209,398 @@
     <p:extLst>
       <p:ext uri="{BB962C8B-B14F-4D97-AF65-F5344CB8AC3E}">
         <p14:creationId xmlns:p14="http://schemas.microsoft.com/office/powerpoint/2010/main" val="2861688834"/>
+      </p:ext>
+    </p:extLst>
+  </p:cSld>
+  <p:clrMapOvr>
+    <a:masterClrMapping/>
+  </p:clrMapOvr>
+</p:sld>
+</file>
+
+<file path=ppt/slides/slide5.xml><?xml version="1.0" encoding="utf-8"?>
+<p:sld xmlns:a="http://schemas.openxmlformats.org/drawingml/2006/main" xmlns:r="http://schemas.openxmlformats.org/officeDocument/2006/relationships" xmlns:p="http://schemas.openxmlformats.org/presentationml/2006/main">
+  <p:cSld>
+    <p:spTree>
+      <p:nvGrpSpPr>
+        <p:cNvPr id="1" name=""/>
+        <p:cNvGrpSpPr/>
+        <p:nvPr/>
+      </p:nvGrpSpPr>
+      <p:grpSpPr>
+        <a:xfrm>
+          <a:off x="0" y="0"/>
+          <a:ext cx="0" cy="0"/>
+          <a:chOff x="0" y="0"/>
+          <a:chExt cx="0" cy="0"/>
+        </a:xfrm>
+      </p:grpSpPr>
+      <p:sp>
+        <p:nvSpPr>
+          <p:cNvPr id="2" name="Titel 1">
+            <a:extLst>
+              <a:ext uri="{FF2B5EF4-FFF2-40B4-BE49-F238E27FC236}">
+                <a16:creationId xmlns:a16="http://schemas.microsoft.com/office/drawing/2014/main" id="{011FBDC4-A64F-0D53-B9FA-A66FB5DAB768}"/>
+              </a:ext>
+            </a:extLst>
+          </p:cNvPr>
+          <p:cNvSpPr>
+            <a:spLocks noGrp="1"/>
+          </p:cNvSpPr>
+          <p:nvPr>
+            <p:ph type="title"/>
+          </p:nvPr>
+        </p:nvSpPr>
+        <p:spPr/>
+        <p:txBody>
+          <a:bodyPr/>
+          <a:lstStyle/>
+          <a:p>
+            <a:r>
+              <a:rPr lang="de-AT" dirty="0"/>
+              <a:t>Residuals</a:t>
+            </a:r>
+            <a:endParaRPr lang="de-DE" dirty="0"/>
+          </a:p>
+        </p:txBody>
+      </p:sp>
+    </p:spTree>
+    <p:extLst>
+      <p:ext uri="{BB962C8B-B14F-4D97-AF65-F5344CB8AC3E}">
+        <p14:creationId xmlns:p14="http://schemas.microsoft.com/office/powerpoint/2010/main" val="2833678977"/>
+      </p:ext>
+    </p:extLst>
+  </p:cSld>
+  <p:clrMapOvr>
+    <a:masterClrMapping/>
+  </p:clrMapOvr>
+</p:sld>
+</file>
+
+<file path=ppt/slides/slide6.xml><?xml version="1.0" encoding="utf-8"?>
+<p:sld xmlns:a="http://schemas.openxmlformats.org/drawingml/2006/main" xmlns:r="http://schemas.openxmlformats.org/officeDocument/2006/relationships" xmlns:p="http://schemas.openxmlformats.org/presentationml/2006/main">
+  <p:cSld>
+    <p:bg>
+      <p:bgPr>
+        <a:solidFill>
+          <a:schemeClr val="bg1"/>
+        </a:solidFill>
+        <a:effectLst/>
+      </p:bgPr>
+    </p:bg>
+    <p:spTree>
+      <p:nvGrpSpPr>
+        <p:cNvPr id="1" name=""/>
+        <p:cNvGrpSpPr/>
+        <p:nvPr/>
+      </p:nvGrpSpPr>
+      <p:grpSpPr>
+        <a:xfrm>
+          <a:off x="0" y="0"/>
+          <a:ext cx="0" cy="0"/>
+          <a:chOff x="0" y="0"/>
+          <a:chExt cx="0" cy="0"/>
+        </a:xfrm>
+      </p:grpSpPr>
+      <p:sp>
+        <p:nvSpPr>
+          <p:cNvPr id="15" name="Titel 1">
+            <a:extLst>
+              <a:ext uri="{FF2B5EF4-FFF2-40B4-BE49-F238E27FC236}">
+                <a16:creationId xmlns:a16="http://schemas.microsoft.com/office/drawing/2014/main" id="{40BBEFCA-6BE5-A8FC-0969-3DFDDE1F2F2D}"/>
+              </a:ext>
+            </a:extLst>
+          </p:cNvPr>
+          <p:cNvSpPr>
+            <a:spLocks noGrp="1"/>
+          </p:cNvSpPr>
+          <p:nvPr>
+            <p:ph type="title"/>
+          </p:nvPr>
+        </p:nvSpPr>
+        <p:spPr>
+          <a:xfrm>
+            <a:off x="648929" y="629266"/>
+            <a:ext cx="3505495" cy="1622321"/>
+          </a:xfrm>
+        </p:spPr>
+        <p:txBody>
+          <a:bodyPr>
+            <a:normAutofit/>
+          </a:bodyPr>
+          <a:lstStyle/>
+          <a:p>
+            <a:r>
+              <a:rPr lang="de-AT" dirty="0"/>
+              <a:t>Random Forest</a:t>
+            </a:r>
+            <a:endParaRPr lang="de-DE" dirty="0"/>
+          </a:p>
+        </p:txBody>
+      </p:sp>
+      <p:sp>
+        <p:nvSpPr>
+          <p:cNvPr id="16" name="Inhaltsplatzhalter 2">
+            <a:extLst>
+              <a:ext uri="{FF2B5EF4-FFF2-40B4-BE49-F238E27FC236}">
+                <a16:creationId xmlns:a16="http://schemas.microsoft.com/office/drawing/2014/main" id="{2B849C42-F569-77CA-3012-CF9B4A7EFF1F}"/>
+              </a:ext>
+            </a:extLst>
+          </p:cNvPr>
+          <p:cNvSpPr>
+            <a:spLocks noGrp="1"/>
+          </p:cNvSpPr>
+          <p:nvPr>
+            <p:ph idx="1"/>
+          </p:nvPr>
+        </p:nvSpPr>
+        <p:spPr>
+          <a:xfrm>
+            <a:off x="648931" y="2438400"/>
+            <a:ext cx="3505494" cy="3785419"/>
+          </a:xfrm>
+        </p:spPr>
+        <p:txBody>
+          <a:bodyPr>
+            <a:normAutofit/>
+          </a:bodyPr>
+          <a:lstStyle/>
+          <a:p>
+            <a:endParaRPr lang="de-DE" sz="2000"/>
+          </a:p>
+        </p:txBody>
+      </p:sp>
+      <p:sp>
+        <p:nvSpPr>
+          <p:cNvPr id="17" name="Rectangle 10">
+            <a:extLst>
+              <a:ext uri="{FF2B5EF4-FFF2-40B4-BE49-F238E27FC236}">
+                <a16:creationId xmlns:a16="http://schemas.microsoft.com/office/drawing/2014/main" id="{5E39A796-BE83-48B1-B33F-35C4A32AAB57}"/>
+              </a:ext>
+              <a:ext uri="{C183D7F6-B498-43B3-948B-1728B52AA6E4}">
+                <adec:decorative xmlns:adec="http://schemas.microsoft.com/office/drawing/2017/decorative" val="1"/>
+              </a:ext>
+            </a:extLst>
+          </p:cNvPr>
+          <p:cNvSpPr>
+            <a:spLocks noGrp="1" noRot="1" noChangeAspect="1" noMove="1" noResize="1" noEditPoints="1" noAdjustHandles="1" noChangeArrowheads="1" noChangeShapeType="1" noTextEdit="1"/>
+          </p:cNvSpPr>
+          <p:nvPr>
+            <p:extLst>
+              <p:ext uri="{386F3935-93C4-4BCD-93E2-E3B085C9AB24}">
+                <p16:designElem xmlns:p16="http://schemas.microsoft.com/office/powerpoint/2015/main" val="1"/>
+              </p:ext>
+            </p:extLst>
+          </p:nvPr>
+        </p:nvSpPr>
+        <p:spPr>
+          <a:xfrm>
+            <a:off x="4639056" y="0"/>
+            <a:ext cx="7552944" cy="6858000"/>
+          </a:xfrm>
+          <a:prstGeom prst="rect">
+            <a:avLst/>
+          </a:prstGeom>
+          <a:solidFill>
+            <a:srgbClr val="C8CACA"/>
+          </a:solidFill>
+          <a:ln>
+            <a:noFill/>
+          </a:ln>
+        </p:spPr>
+        <p:style>
+          <a:lnRef idx="2">
+            <a:schemeClr val="accent1">
+              <a:shade val="50000"/>
+            </a:schemeClr>
+          </a:lnRef>
+          <a:fillRef idx="1">
+            <a:schemeClr val="accent1"/>
+          </a:fillRef>
+          <a:effectRef idx="0">
+            <a:schemeClr val="accent1"/>
+          </a:effectRef>
+          <a:fontRef idx="minor">
+            <a:schemeClr val="lt1"/>
+          </a:fontRef>
+        </p:style>
+        <p:txBody>
+          <a:bodyPr rtlCol="0" anchor="ctr"/>
+          <a:lstStyle/>
+          <a:p>
+            <a:pPr algn="ctr"/>
+            <a:endParaRPr lang="en-US"/>
+          </a:p>
+        </p:txBody>
+      </p:sp>
+      <p:sp>
+        <p:nvSpPr>
+          <p:cNvPr id="18" name="Rounded Rectangle 9">
+            <a:extLst>
+              <a:ext uri="{FF2B5EF4-FFF2-40B4-BE49-F238E27FC236}">
+                <a16:creationId xmlns:a16="http://schemas.microsoft.com/office/drawing/2014/main" id="{72F84B47-E267-4194-8194-831DB7B5547F}"/>
+              </a:ext>
+              <a:ext uri="{C183D7F6-B498-43B3-948B-1728B52AA6E4}">
+                <adec:decorative xmlns:adec="http://schemas.microsoft.com/office/drawing/2017/decorative" val="1"/>
+              </a:ext>
+            </a:extLst>
+          </p:cNvPr>
+          <p:cNvSpPr>
+            <a:spLocks noGrp="1" noRot="1" noChangeAspect="1" noMove="1" noResize="1" noEditPoints="1" noAdjustHandles="1" noChangeArrowheads="1" noChangeShapeType="1" noTextEdit="1"/>
+          </p:cNvSpPr>
+          <p:nvPr>
+            <p:extLst>
+              <p:ext uri="{386F3935-93C4-4BCD-93E2-E3B085C9AB24}">
+                <p16:designElem xmlns:p16="http://schemas.microsoft.com/office/powerpoint/2015/main" val="1"/>
+              </p:ext>
+            </p:extLst>
+          </p:nvPr>
+        </p:nvSpPr>
+        <p:spPr>
+          <a:xfrm>
+            <a:off x="5123688" y="557784"/>
+            <a:ext cx="6584098" cy="5739187"/>
+          </a:xfrm>
+          <a:prstGeom prst="roundRect">
+            <a:avLst>
+              <a:gd name="adj" fmla="val 0"/>
+            </a:avLst>
+          </a:prstGeom>
+          <a:solidFill>
+            <a:srgbClr val="FFFFFF"/>
+          </a:solidFill>
+          <a:ln w="9525">
+            <a:solidFill>
+              <a:srgbClr val="C8CACA"/>
+            </a:solidFill>
+          </a:ln>
+          <a:effectLst>
+            <a:outerShdw blurRad="57150" dist="19050" dir="5400000" algn="t" rotWithShape="0">
+              <a:prstClr val="black">
+                <a:alpha val="63000"/>
+              </a:prstClr>
+            </a:outerShdw>
+          </a:effectLst>
+        </p:spPr>
+        <p:style>
+          <a:lnRef idx="2">
+            <a:schemeClr val="accent1">
+              <a:shade val="50000"/>
+            </a:schemeClr>
+          </a:lnRef>
+          <a:fillRef idx="1">
+            <a:schemeClr val="accent1"/>
+          </a:fillRef>
+          <a:effectRef idx="0">
+            <a:schemeClr val="accent1"/>
+          </a:effectRef>
+          <a:fontRef idx="minor">
+            <a:schemeClr val="lt1"/>
+          </a:fontRef>
+        </p:style>
+        <p:txBody>
+          <a:bodyPr rtlCol="0" anchor="ctr"/>
+          <a:lstStyle/>
+          <a:p>
+            <a:pPr algn="ctr"/>
+            <a:endParaRPr lang="en-US"/>
+          </a:p>
+        </p:txBody>
+      </p:sp>
+      <p:pic>
+        <p:nvPicPr>
+          <p:cNvPr id="6" name="Grafik 5">
+            <a:extLst>
+              <a:ext uri="{FF2B5EF4-FFF2-40B4-BE49-F238E27FC236}">
+                <a16:creationId xmlns:a16="http://schemas.microsoft.com/office/drawing/2014/main" id="{E1DEF437-D39C-EE67-F1A4-25B000CF88CA}"/>
+              </a:ext>
+            </a:extLst>
+          </p:cNvPr>
+          <p:cNvPicPr>
+            <a:picLocks noChangeAspect="1"/>
+          </p:cNvPicPr>
+          <p:nvPr/>
+        </p:nvPicPr>
+        <p:blipFill>
+          <a:blip r:embed="rId2"/>
+          <a:stretch>
+            <a:fillRect/>
+          </a:stretch>
+        </p:blipFill>
+        <p:spPr>
+          <a:xfrm>
+            <a:off x="5405862" y="1922544"/>
+            <a:ext cx="6019331" cy="3009665"/>
+          </a:xfrm>
+          <a:prstGeom prst="rect">
+            <a:avLst/>
+          </a:prstGeom>
+          <a:effectLst/>
+        </p:spPr>
+      </p:pic>
+      <p:sp>
+        <p:nvSpPr>
+          <p:cNvPr id="8" name="Textfeld 7">
+            <a:extLst>
+              <a:ext uri="{FF2B5EF4-FFF2-40B4-BE49-F238E27FC236}">
+                <a16:creationId xmlns:a16="http://schemas.microsoft.com/office/drawing/2014/main" id="{93DF7815-3596-C0D6-5FFD-89F84246734C}"/>
+              </a:ext>
+            </a:extLst>
+          </p:cNvPr>
+          <p:cNvSpPr txBox="1"/>
+          <p:nvPr/>
+        </p:nvSpPr>
+        <p:spPr>
+          <a:xfrm>
+            <a:off x="5367083" y="5259161"/>
+            <a:ext cx="6096888" cy="230832"/>
+          </a:xfrm>
+          <a:prstGeom prst="rect">
+            <a:avLst/>
+          </a:prstGeom>
+          <a:noFill/>
+        </p:spPr>
+        <p:txBody>
+          <a:bodyPr wrap="square">
+            <a:spAutoFit/>
+          </a:bodyPr>
+          <a:lstStyle/>
+          <a:p>
+            <a:r>
+              <a:rPr lang="de-DE" sz="900" dirty="0"/>
+              <a:t>https://</a:t>
+            </a:r>
+            <a:r>
+              <a:rPr lang="de-DE" sz="900" dirty="0" err="1"/>
+              <a:t>dataaspirant.com</a:t>
+            </a:r>
+            <a:r>
+              <a:rPr lang="de-DE" sz="900" dirty="0"/>
+              <a:t>/</a:t>
+            </a:r>
+            <a:r>
+              <a:rPr lang="de-DE" sz="900" dirty="0" err="1"/>
+              <a:t>random-forest-algorithm</a:t>
+            </a:r>
+            <a:r>
+              <a:rPr lang="de-DE" sz="900" dirty="0"/>
+              <a:t>-</a:t>
+            </a:r>
+            <a:r>
+              <a:rPr lang="de-DE" sz="900" dirty="0" err="1"/>
+              <a:t>machine-learing</a:t>
+            </a:r>
+            <a:r>
+              <a:rPr lang="de-DE" sz="900" dirty="0"/>
+              <a:t>/</a:t>
+            </a:r>
+          </a:p>
+        </p:txBody>
+      </p:sp>
+    </p:spTree>
+    <p:extLst>
+      <p:ext uri="{BB962C8B-B14F-4D97-AF65-F5344CB8AC3E}">
+        <p14:creationId xmlns:p14="http://schemas.microsoft.com/office/powerpoint/2010/main" val="278277176"/>
       </p:ext>
     </p:extLst>
   </p:cSld>
